--- a/VladimirMutafov/Infographic/Infographic2.pptx
+++ b/VladimirMutafov/Infographic/Infographic2.pptx
@@ -2978,7 +2978,7 @@
         <p:grpSpPr>
           <a:xfrm>
             <a:off x="-1438212" y="473483"/>
-            <a:ext cx="12982512" cy="5858998"/>
+            <a:ext cx="12477335" cy="5858998"/>
             <a:chOff x="-1628712" y="473483"/>
             <a:chExt cx="12477335" cy="5858998"/>
           </a:xfrm>
@@ -3081,8 +3081,8 @@
             </p:nvSpPr>
             <p:spPr>
               <a:xfrm>
-                <a:off x="3895001" y="1553662"/>
-                <a:ext cx="6893896" cy="1087834"/>
+                <a:off x="3895001" y="1662446"/>
+                <a:ext cx="6893896" cy="870267"/>
               </a:xfrm>
               <a:custGeom>
                 <a:avLst/>
@@ -3172,7 +3172,7 @@
               </a:bodyPr>
               <a:lstStyle/>
               <a:p>
-                <a:pPr lvl="0" defTabSz="2000250">
+                <a:pPr lvl="0" algn="l" defTabSz="2000250">
                   <a:lnSpc>
                     <a:spcPct val="90000"/>
                   </a:lnSpc>
@@ -3184,7 +3184,7 @@
                   </a:spcAft>
                 </a:pPr>
                 <a:r>
-                  <a:rPr lang="en-US" sz="2400" dirty="0">
+                  <a:rPr lang="en-US" sz="4500" kern="1200" dirty="0" smtClean="0">
                     <a:solidFill>
                       <a:schemeClr val="tx1">
                         <a:lumMod val="50000"/>
@@ -3192,64 +3192,9 @@
                       </a:schemeClr>
                     </a:solidFill>
                   </a:rPr>
-                  <a:t>E</a:t>
+                  <a:t>For Users </a:t>
                 </a:r>
-                <a:r>
-                  <a:rPr lang="en-US" sz="2400" dirty="0" smtClean="0">
-                    <a:solidFill>
-                      <a:schemeClr val="tx1">
-                        <a:lumMod val="50000"/>
-                        <a:lumOff val="50000"/>
-                      </a:schemeClr>
-                    </a:solidFill>
-                  </a:rPr>
-                  <a:t>verything </a:t>
-                </a:r>
-                <a:r>
-                  <a:rPr lang="en-US" sz="2400" dirty="0">
-                    <a:solidFill>
-                      <a:schemeClr val="tx1">
-                        <a:lumMod val="50000"/>
-                        <a:lumOff val="50000"/>
-                      </a:schemeClr>
-                    </a:solidFill>
-                  </a:rPr>
-                  <a:t>you need for your development </a:t>
-                </a:r>
-                <a:r>
-                  <a:rPr lang="en-US" sz="2400" dirty="0" smtClean="0">
-                    <a:solidFill>
-                      <a:schemeClr val="tx1">
-                        <a:lumMod val="50000"/>
-                        <a:lumOff val="50000"/>
-                      </a:schemeClr>
-                    </a:solidFill>
-                  </a:rPr>
-                  <a:t>project </a:t>
-                </a:r>
-                <a:r>
-                  <a:rPr lang="mr-IN" sz="2400" dirty="0" smtClean="0">
-                    <a:solidFill>
-                      <a:schemeClr val="tx1">
-                        <a:lumMod val="50000"/>
-                        <a:lumOff val="50000"/>
-                      </a:schemeClr>
-                    </a:solidFill>
-                  </a:rPr>
-                  <a:t>–</a:t>
-                </a:r>
-                <a:r>
-                  <a:rPr lang="en-US" sz="2400" dirty="0" smtClean="0">
-                    <a:solidFill>
-                      <a:schemeClr val="tx1">
-                        <a:lumMod val="50000"/>
-                        <a:lumOff val="50000"/>
-                      </a:schemeClr>
-                    </a:solidFill>
-                  </a:rPr>
-                  <a:t> Server, IDE, Content repository.</a:t>
-                </a:r>
-                <a:endParaRPr lang="en-US" sz="2400" kern="1200" dirty="0">
+                <a:endParaRPr lang="en-US" sz="4500" kern="1200" dirty="0">
                   <a:solidFill>
                     <a:schemeClr val="tx1">
                       <a:lumMod val="50000"/>
@@ -3319,8 +3264,8 @@
             </p:nvSpPr>
             <p:spPr>
               <a:xfrm>
-                <a:off x="4211343" y="2859064"/>
-                <a:ext cx="6577554" cy="1087834"/>
+                <a:off x="4211343" y="2967848"/>
+                <a:ext cx="6577554" cy="870267"/>
               </a:xfrm>
               <a:custGeom>
                 <a:avLst/>
@@ -3410,7 +3355,7 @@
               </a:bodyPr>
               <a:lstStyle/>
               <a:p>
-                <a:pPr defTabSz="2000250">
+                <a:pPr lvl="0" algn="l" defTabSz="2000250">
                   <a:lnSpc>
                     <a:spcPct val="90000"/>
                   </a:lnSpc>
@@ -3422,7 +3367,7 @@
                   </a:spcAft>
                 </a:pPr>
                 <a:r>
-                  <a:rPr lang="en-US" sz="2400" dirty="0">
+                  <a:rPr lang="en-US" sz="4500" kern="1200" dirty="0" smtClean="0">
                     <a:solidFill>
                       <a:schemeClr val="tx1">
                         <a:lumMod val="50000"/>
@@ -3430,42 +3375,9 @@
                       </a:schemeClr>
                     </a:solidFill>
                   </a:rPr>
-                  <a:t>E</a:t>
+                  <a:t>For Business</a:t>
                 </a:r>
-                <a:r>
-                  <a:rPr lang="en-US" sz="2400" dirty="0" smtClean="0">
-                    <a:solidFill>
-                      <a:schemeClr val="tx1">
-                        <a:lumMod val="50000"/>
-                        <a:lumOff val="50000"/>
-                      </a:schemeClr>
-                    </a:solidFill>
-                  </a:rPr>
-                  <a:t>asily </a:t>
-                </a:r>
-                <a:r>
-                  <a:rPr lang="en-US" sz="2400" dirty="0">
-                    <a:solidFill>
-                      <a:schemeClr val="tx1">
-                        <a:lumMod val="50000"/>
-                        <a:lumOff val="50000"/>
-                      </a:schemeClr>
-                    </a:solidFill>
-                  </a:rPr>
-                  <a:t>develop, document, and monitor your business </a:t>
-                </a:r>
-                <a:r>
-                  <a:rPr lang="en-US" sz="2400" dirty="0" smtClean="0">
-                    <a:solidFill>
-                      <a:schemeClr val="tx1">
-                        <a:lumMod val="50000"/>
-                        <a:lumOff val="50000"/>
-                      </a:schemeClr>
-                    </a:solidFill>
-                  </a:rPr>
-                  <a:t>applications.</a:t>
-                </a:r>
-                <a:endParaRPr lang="en-US" sz="2400" kern="1200" dirty="0">
+                <a:endParaRPr lang="en-US" sz="4500" kern="1200" dirty="0">
                   <a:solidFill>
                     <a:schemeClr val="tx1">
                       <a:lumMod val="50000"/>
@@ -3535,8 +3447,8 @@
             </p:nvSpPr>
             <p:spPr>
               <a:xfrm>
-                <a:off x="3895001" y="4164465"/>
-                <a:ext cx="6893896" cy="1087835"/>
+                <a:off x="3895001" y="4273249"/>
+                <a:ext cx="6893896" cy="870267"/>
               </a:xfrm>
               <a:custGeom>
                 <a:avLst/>
@@ -3626,7 +3538,7 @@
               </a:bodyPr>
               <a:lstStyle/>
               <a:p>
-                <a:pPr lvl="0" defTabSz="2000250">
+                <a:pPr lvl="0" algn="l" defTabSz="2000250">
                   <a:lnSpc>
                     <a:spcPct val="90000"/>
                   </a:lnSpc>
@@ -3638,7 +3550,7 @@
                   </a:spcAft>
                 </a:pPr>
                 <a:r>
-                  <a:rPr lang="en-US" sz="2400" dirty="0">
+                  <a:rPr lang="en-US" sz="4500" kern="1200" dirty="0" smtClean="0">
                     <a:solidFill>
                       <a:schemeClr val="tx1">
                         <a:lumMod val="50000"/>
@@ -3646,53 +3558,9 @@
                       </a:schemeClr>
                     </a:solidFill>
                   </a:rPr>
-                  <a:t>D</a:t>
+                  <a:t>For Education</a:t>
                 </a:r>
-                <a:r>
-                  <a:rPr lang="en-US" sz="2400" dirty="0" smtClean="0">
-                    <a:solidFill>
-                      <a:schemeClr val="tx1">
-                        <a:lumMod val="50000"/>
-                        <a:lumOff val="50000"/>
-                      </a:schemeClr>
-                    </a:solidFill>
-                  </a:rPr>
-                  <a:t>evelop </a:t>
-                </a:r>
-                <a:r>
-                  <a:rPr lang="en-US" sz="2400" dirty="0">
-                    <a:solidFill>
-                      <a:schemeClr val="tx1">
-                        <a:lumMod val="50000"/>
-                        <a:lumOff val="50000"/>
-                      </a:schemeClr>
-                    </a:solidFill>
-                  </a:rPr>
-                  <a:t>student </a:t>
-                </a:r>
-                <a:r>
-                  <a:rPr lang="en-US" sz="2400" dirty="0" smtClean="0">
-                    <a:solidFill>
-                      <a:schemeClr val="tx1">
-                        <a:lumMod val="50000"/>
-                        <a:lumOff val="50000"/>
-                      </a:schemeClr>
-                    </a:solidFill>
-                  </a:rPr>
-                  <a:t>projects and </a:t>
-                </a:r>
-                <a:r>
-                  <a:rPr lang="en-US" sz="2400" dirty="0">
-                    <a:solidFill>
-                      <a:schemeClr val="tx1">
-                        <a:lumMod val="50000"/>
-                        <a:lumOff val="50000"/>
-                      </a:schemeClr>
-                    </a:solidFill>
-                  </a:rPr>
-                  <a:t>learn popular programming languages.</a:t>
-                </a:r>
-                <a:endParaRPr lang="en-US" sz="2400" kern="1200" dirty="0">
+                <a:endParaRPr lang="en-US" sz="4500" kern="1200" dirty="0">
                   <a:solidFill>
                     <a:schemeClr val="tx1">
                       <a:lumMod val="50000"/>
